--- a/covid tweets analyze.pptx
+++ b/covid tweets analyze.pptx
@@ -107,6 +107,11 @@
       </a:defRPr>
     </a:lvl9pPr>
   </p:defaultTextStyle>
+  <p:extLst>
+    <p:ext uri="{EFAFB233-063F-42B5-8137-9DF3F51BA10A}">
+      <p15:sldGuideLst xmlns:p15="http://schemas.microsoft.com/office/powerpoint/2012/main"/>
+    </p:ext>
+  </p:extLst>
 </p:presentation>
 </file>
 
@@ -257,7 +262,7 @@
           <a:p>
             <a:fld id="{CB0D84C4-E320-4CE3-8B1B-AE39EC946777}" type="datetimeFigureOut">
               <a:rPr lang="en-US" smtClean="0"/>
-              <a:t>3/26/2024</a:t>
+              <a:t>3/27/2024</a:t>
             </a:fld>
             <a:endParaRPr lang="en-US"/>
           </a:p>
@@ -455,7 +460,7 @@
           <a:p>
             <a:fld id="{CB0D84C4-E320-4CE3-8B1B-AE39EC946777}" type="datetimeFigureOut">
               <a:rPr lang="en-US" smtClean="0"/>
-              <a:t>3/26/2024</a:t>
+              <a:t>3/27/2024</a:t>
             </a:fld>
             <a:endParaRPr lang="en-US"/>
           </a:p>
@@ -663,7 +668,7 @@
           <a:p>
             <a:fld id="{CB0D84C4-E320-4CE3-8B1B-AE39EC946777}" type="datetimeFigureOut">
               <a:rPr lang="en-US" smtClean="0"/>
-              <a:t>3/26/2024</a:t>
+              <a:t>3/27/2024</a:t>
             </a:fld>
             <a:endParaRPr lang="en-US"/>
           </a:p>
@@ -861,7 +866,7 @@
           <a:p>
             <a:fld id="{CB0D84C4-E320-4CE3-8B1B-AE39EC946777}" type="datetimeFigureOut">
               <a:rPr lang="en-US" smtClean="0"/>
-              <a:t>3/26/2024</a:t>
+              <a:t>3/27/2024</a:t>
             </a:fld>
             <a:endParaRPr lang="en-US"/>
           </a:p>
@@ -1136,7 +1141,7 @@
           <a:p>
             <a:fld id="{CB0D84C4-E320-4CE3-8B1B-AE39EC946777}" type="datetimeFigureOut">
               <a:rPr lang="en-US" smtClean="0"/>
-              <a:t>3/26/2024</a:t>
+              <a:t>3/27/2024</a:t>
             </a:fld>
             <a:endParaRPr lang="en-US"/>
           </a:p>
@@ -1401,7 +1406,7 @@
           <a:p>
             <a:fld id="{CB0D84C4-E320-4CE3-8B1B-AE39EC946777}" type="datetimeFigureOut">
               <a:rPr lang="en-US" smtClean="0"/>
-              <a:t>3/26/2024</a:t>
+              <a:t>3/27/2024</a:t>
             </a:fld>
             <a:endParaRPr lang="en-US"/>
           </a:p>
@@ -1813,7 +1818,7 @@
           <a:p>
             <a:fld id="{CB0D84C4-E320-4CE3-8B1B-AE39EC946777}" type="datetimeFigureOut">
               <a:rPr lang="en-US" smtClean="0"/>
-              <a:t>3/26/2024</a:t>
+              <a:t>3/27/2024</a:t>
             </a:fld>
             <a:endParaRPr lang="en-US"/>
           </a:p>
@@ -1954,7 +1959,7 @@
           <a:p>
             <a:fld id="{CB0D84C4-E320-4CE3-8B1B-AE39EC946777}" type="datetimeFigureOut">
               <a:rPr lang="en-US" smtClean="0"/>
-              <a:t>3/26/2024</a:t>
+              <a:t>3/27/2024</a:t>
             </a:fld>
             <a:endParaRPr lang="en-US"/>
           </a:p>
@@ -2067,7 +2072,7 @@
           <a:p>
             <a:fld id="{CB0D84C4-E320-4CE3-8B1B-AE39EC946777}" type="datetimeFigureOut">
               <a:rPr lang="en-US" smtClean="0"/>
-              <a:t>3/26/2024</a:t>
+              <a:t>3/27/2024</a:t>
             </a:fld>
             <a:endParaRPr lang="en-US"/>
           </a:p>
@@ -2378,7 +2383,7 @@
           <a:p>
             <a:fld id="{CB0D84C4-E320-4CE3-8B1B-AE39EC946777}" type="datetimeFigureOut">
               <a:rPr lang="en-US" smtClean="0"/>
-              <a:t>3/26/2024</a:t>
+              <a:t>3/27/2024</a:t>
             </a:fld>
             <a:endParaRPr lang="en-US"/>
           </a:p>
@@ -2666,7 +2671,7 @@
           <a:p>
             <a:fld id="{CB0D84C4-E320-4CE3-8B1B-AE39EC946777}" type="datetimeFigureOut">
               <a:rPr lang="en-US" smtClean="0"/>
-              <a:t>3/26/2024</a:t>
+              <a:t>3/27/2024</a:t>
             </a:fld>
             <a:endParaRPr lang="en-US"/>
           </a:p>
@@ -2907,7 +2912,7 @@
           <a:p>
             <a:fld id="{CB0D84C4-E320-4CE3-8B1B-AE39EC946777}" type="datetimeFigureOut">
               <a:rPr lang="en-US" smtClean="0"/>
-              <a:t>3/26/2024</a:t>
+              <a:t>3/27/2024</a:t>
             </a:fld>
             <a:endParaRPr lang="en-US"/>
           </a:p>
@@ -3624,10 +3629,10 @@
       </p:sp>
       <p:pic>
         <p:nvPicPr>
-          <p:cNvPr id="5" name="Picture 4">
-            <a:extLst>
-              <a:ext uri="{FF2B5EF4-FFF2-40B4-BE49-F238E27FC236}">
-                <a16:creationId xmlns:a16="http://schemas.microsoft.com/office/drawing/2014/main" id="{6D04452B-E23C-1130-AA19-4E99648AD48A}"/>
+          <p:cNvPr id="4" name="Picture 3">
+            <a:extLst>
+              <a:ext uri="{FF2B5EF4-FFF2-40B4-BE49-F238E27FC236}">
+                <a16:creationId xmlns:a16="http://schemas.microsoft.com/office/drawing/2014/main" id="{564F8859-0A6F-119C-F140-2B4125D93B69}"/>
               </a:ext>
             </a:extLst>
           </p:cNvPr>
@@ -3644,8 +3649,8 @@
         </p:blipFill>
         <p:spPr>
           <a:xfrm>
-            <a:off x="296430" y="1967346"/>
-            <a:ext cx="4947544" cy="3948112"/>
+            <a:off x="384897" y="2068974"/>
+            <a:ext cx="5295468" cy="4149263"/>
           </a:xfrm>
           <a:prstGeom prst="rect">
             <a:avLst/>
@@ -3654,10 +3659,10 @@
       </p:pic>
       <p:pic>
         <p:nvPicPr>
-          <p:cNvPr id="7" name="Picture 6">
-            <a:extLst>
-              <a:ext uri="{FF2B5EF4-FFF2-40B4-BE49-F238E27FC236}">
-                <a16:creationId xmlns:a16="http://schemas.microsoft.com/office/drawing/2014/main" id="{D69EFA7B-D517-B9CE-A038-9AE09DBCE40F}"/>
+          <p:cNvPr id="8" name="Picture 7">
+            <a:extLst>
+              <a:ext uri="{FF2B5EF4-FFF2-40B4-BE49-F238E27FC236}">
+                <a16:creationId xmlns:a16="http://schemas.microsoft.com/office/drawing/2014/main" id="{D1D85A4D-BA91-673F-47B0-78F13373AF12}"/>
               </a:ext>
             </a:extLst>
           </p:cNvPr>
@@ -3674,8 +3679,8 @@
         </p:blipFill>
         <p:spPr>
           <a:xfrm>
-            <a:off x="5866102" y="1847535"/>
-            <a:ext cx="5487698" cy="4058687"/>
+            <a:off x="6327489" y="2068973"/>
+            <a:ext cx="5327069" cy="4149263"/>
           </a:xfrm>
           <a:prstGeom prst="rect">
             <a:avLst/>
